--- a/Dummy ArtResources.pptx
+++ b/Dummy ArtResources.pptx
@@ -7,6 +7,8 @@
   <p:sldIdLst>
     <p:sldId id="256" r:id="rId2"/>
     <p:sldId id="260" r:id="rId3"/>
+    <p:sldId id="261" r:id="rId4"/>
+    <p:sldId id="262" r:id="rId5"/>
   </p:sldIdLst>
   <p:sldSz cx="12192000" cy="6858000"/>
   <p:notesSz cx="6858000" cy="9144000"/>
@@ -105,6 +107,11 @@
       </a:defRPr>
     </a:lvl9pPr>
   </p:defaultTextStyle>
+  <p:extLst>
+    <p:ext uri="{EFAFB233-063F-42B5-8137-9DF3F51BA10A}">
+      <p15:sldGuideLst xmlns:p15="http://schemas.microsoft.com/office/powerpoint/2012/main"/>
+    </p:ext>
+  </p:extLst>
 </p:presentation>
 </file>
 
@@ -239,7 +246,7 @@
           <a:p>
             <a:fld id="{EA7C0894-A01A-4B2E-86BE-6EE7ECE37CBB}" type="datetimeFigureOut">
               <a:rPr lang="ko-KR" altLang="en-US" smtClean="0"/>
-              <a:t>2017-06-22</a:t>
+              <a:t>2017-07-04</a:t>
             </a:fld>
             <a:endParaRPr lang="ko-KR" altLang="en-US"/>
           </a:p>
@@ -409,7 +416,7 @@
           <a:p>
             <a:fld id="{EA7C0894-A01A-4B2E-86BE-6EE7ECE37CBB}" type="datetimeFigureOut">
               <a:rPr lang="ko-KR" altLang="en-US" smtClean="0"/>
-              <a:t>2017-06-22</a:t>
+              <a:t>2017-07-04</a:t>
             </a:fld>
             <a:endParaRPr lang="ko-KR" altLang="en-US"/>
           </a:p>
@@ -589,7 +596,7 @@
           <a:p>
             <a:fld id="{EA7C0894-A01A-4B2E-86BE-6EE7ECE37CBB}" type="datetimeFigureOut">
               <a:rPr lang="ko-KR" altLang="en-US" smtClean="0"/>
-              <a:t>2017-06-22</a:t>
+              <a:t>2017-07-04</a:t>
             </a:fld>
             <a:endParaRPr lang="ko-KR" altLang="en-US"/>
           </a:p>
@@ -759,7 +766,7 @@
           <a:p>
             <a:fld id="{EA7C0894-A01A-4B2E-86BE-6EE7ECE37CBB}" type="datetimeFigureOut">
               <a:rPr lang="ko-KR" altLang="en-US" smtClean="0"/>
-              <a:t>2017-06-22</a:t>
+              <a:t>2017-07-04</a:t>
             </a:fld>
             <a:endParaRPr lang="ko-KR" altLang="en-US"/>
           </a:p>
@@ -1005,7 +1012,7 @@
           <a:p>
             <a:fld id="{EA7C0894-A01A-4B2E-86BE-6EE7ECE37CBB}" type="datetimeFigureOut">
               <a:rPr lang="ko-KR" altLang="en-US" smtClean="0"/>
-              <a:t>2017-06-22</a:t>
+              <a:t>2017-07-04</a:t>
             </a:fld>
             <a:endParaRPr lang="ko-KR" altLang="en-US"/>
           </a:p>
@@ -1237,7 +1244,7 @@
           <a:p>
             <a:fld id="{EA7C0894-A01A-4B2E-86BE-6EE7ECE37CBB}" type="datetimeFigureOut">
               <a:rPr lang="ko-KR" altLang="en-US" smtClean="0"/>
-              <a:t>2017-06-22</a:t>
+              <a:t>2017-07-04</a:t>
             </a:fld>
             <a:endParaRPr lang="ko-KR" altLang="en-US"/>
           </a:p>
@@ -1604,7 +1611,7 @@
           <a:p>
             <a:fld id="{EA7C0894-A01A-4B2E-86BE-6EE7ECE37CBB}" type="datetimeFigureOut">
               <a:rPr lang="ko-KR" altLang="en-US" smtClean="0"/>
-              <a:t>2017-06-22</a:t>
+              <a:t>2017-07-04</a:t>
             </a:fld>
             <a:endParaRPr lang="ko-KR" altLang="en-US"/>
           </a:p>
@@ -1722,7 +1729,7 @@
           <a:p>
             <a:fld id="{EA7C0894-A01A-4B2E-86BE-6EE7ECE37CBB}" type="datetimeFigureOut">
               <a:rPr lang="ko-KR" altLang="en-US" smtClean="0"/>
-              <a:t>2017-06-22</a:t>
+              <a:t>2017-07-04</a:t>
             </a:fld>
             <a:endParaRPr lang="ko-KR" altLang="en-US"/>
           </a:p>
@@ -1817,7 +1824,7 @@
           <a:p>
             <a:fld id="{EA7C0894-A01A-4B2E-86BE-6EE7ECE37CBB}" type="datetimeFigureOut">
               <a:rPr lang="ko-KR" altLang="en-US" smtClean="0"/>
-              <a:t>2017-06-22</a:t>
+              <a:t>2017-07-04</a:t>
             </a:fld>
             <a:endParaRPr lang="ko-KR" altLang="en-US"/>
           </a:p>
@@ -2094,7 +2101,7 @@
           <a:p>
             <a:fld id="{EA7C0894-A01A-4B2E-86BE-6EE7ECE37CBB}" type="datetimeFigureOut">
               <a:rPr lang="ko-KR" altLang="en-US" smtClean="0"/>
-              <a:t>2017-06-22</a:t>
+              <a:t>2017-07-04</a:t>
             </a:fld>
             <a:endParaRPr lang="ko-KR" altLang="en-US"/>
           </a:p>
@@ -2347,7 +2354,7 @@
           <a:p>
             <a:fld id="{EA7C0894-A01A-4B2E-86BE-6EE7ECE37CBB}" type="datetimeFigureOut">
               <a:rPr lang="ko-KR" altLang="en-US" smtClean="0"/>
-              <a:t>2017-06-22</a:t>
+              <a:t>2017-07-04</a:t>
             </a:fld>
             <a:endParaRPr lang="ko-KR" altLang="en-US"/>
           </a:p>
@@ -2560,7 +2567,7 @@
           <a:p>
             <a:fld id="{EA7C0894-A01A-4B2E-86BE-6EE7ECE37CBB}" type="datetimeFigureOut">
               <a:rPr lang="ko-KR" altLang="en-US" smtClean="0"/>
-              <a:t>2017-06-22</a:t>
+              <a:t>2017-07-04</a:t>
             </a:fld>
             <a:endParaRPr lang="ko-KR" altLang="en-US"/>
           </a:p>
@@ -3452,6 +3459,943 @@
 </p:sld>
 </file>
 
+<file path=ppt/slides/slide3.xml><?xml version="1.0" encoding="utf-8"?>
+<p:sld xmlns:a="http://schemas.openxmlformats.org/drawingml/2006/main" xmlns:r="http://schemas.openxmlformats.org/officeDocument/2006/relationships" xmlns:p="http://schemas.openxmlformats.org/presentationml/2006/main">
+  <p:cSld>
+    <p:spTree>
+      <p:nvGrpSpPr>
+        <p:cNvPr id="1" name=""/>
+        <p:cNvGrpSpPr/>
+        <p:nvPr/>
+      </p:nvGrpSpPr>
+      <p:grpSpPr>
+        <a:xfrm>
+          <a:off x="0" y="0"/>
+          <a:ext cx="0" cy="0"/>
+          <a:chOff x="0" y="0"/>
+          <a:chExt cx="0" cy="0"/>
+        </a:xfrm>
+      </p:grpSpPr>
+      <p:grpSp>
+        <p:nvGrpSpPr>
+          <p:cNvPr id="6" name="그룹 5"/>
+          <p:cNvGrpSpPr/>
+          <p:nvPr/>
+        </p:nvGrpSpPr>
+        <p:grpSpPr>
+          <a:xfrm>
+            <a:off x="410754" y="352696"/>
+            <a:ext cx="2919600" cy="2923200"/>
+            <a:chOff x="2442754" y="1267096"/>
+            <a:chExt cx="2880000" cy="2880000"/>
+          </a:xfrm>
+        </p:grpSpPr>
+        <p:sp>
+          <p:nvSpPr>
+            <p:cNvPr id="4" name="타원 3"/>
+            <p:cNvSpPr/>
+            <p:nvPr/>
+          </p:nvSpPr>
+          <p:spPr>
+            <a:xfrm>
+              <a:off x="2442754" y="1267096"/>
+              <a:ext cx="2880000" cy="2880000"/>
+            </a:xfrm>
+            <a:prstGeom prst="ellipse">
+              <a:avLst/>
+            </a:prstGeom>
+            <a:solidFill>
+              <a:srgbClr val="FF7878"/>
+            </a:solidFill>
+            <a:ln w="127000">
+              <a:solidFill>
+                <a:srgbClr val="C80000"/>
+              </a:solidFill>
+            </a:ln>
+          </p:spPr>
+          <p:style>
+            <a:lnRef idx="2">
+              <a:schemeClr val="accent1">
+                <a:shade val="50000"/>
+              </a:schemeClr>
+            </a:lnRef>
+            <a:fillRef idx="1">
+              <a:schemeClr val="accent1"/>
+            </a:fillRef>
+            <a:effectRef idx="0">
+              <a:schemeClr val="accent1"/>
+            </a:effectRef>
+            <a:fontRef idx="minor">
+              <a:schemeClr val="lt1"/>
+            </a:fontRef>
+          </p:style>
+          <p:txBody>
+            <a:bodyPr rtlCol="0" anchor="ctr"/>
+            <a:lstStyle/>
+            <a:p>
+              <a:pPr algn="ctr"/>
+              <a:endParaRPr lang="ko-KR" altLang="en-US"/>
+            </a:p>
+          </p:txBody>
+        </p:sp>
+        <p:sp>
+          <p:nvSpPr>
+            <p:cNvPr id="5" name="타원 4"/>
+            <p:cNvSpPr/>
+            <p:nvPr/>
+          </p:nvSpPr>
+          <p:spPr>
+            <a:xfrm>
+              <a:off x="2788240" y="1698171"/>
+              <a:ext cx="1440000" cy="1440000"/>
+            </a:xfrm>
+            <a:prstGeom prst="ellipse">
+              <a:avLst/>
+            </a:prstGeom>
+            <a:solidFill>
+              <a:srgbClr val="FFC8C8"/>
+            </a:solidFill>
+            <a:ln>
+              <a:noFill/>
+            </a:ln>
+          </p:spPr>
+          <p:style>
+            <a:lnRef idx="2">
+              <a:schemeClr val="accent1">
+                <a:shade val="50000"/>
+              </a:schemeClr>
+            </a:lnRef>
+            <a:fillRef idx="1">
+              <a:schemeClr val="accent1"/>
+            </a:fillRef>
+            <a:effectRef idx="0">
+              <a:schemeClr val="accent1"/>
+            </a:effectRef>
+            <a:fontRef idx="minor">
+              <a:schemeClr val="lt1"/>
+            </a:fontRef>
+          </p:style>
+          <p:txBody>
+            <a:bodyPr rtlCol="0" anchor="ctr"/>
+            <a:lstStyle/>
+            <a:p>
+              <a:pPr algn="ctr"/>
+              <a:endParaRPr lang="ko-KR" altLang="en-US"/>
+            </a:p>
+          </p:txBody>
+        </p:sp>
+      </p:grpSp>
+      <p:grpSp>
+        <p:nvGrpSpPr>
+          <p:cNvPr id="7" name="그룹 6"/>
+          <p:cNvGrpSpPr/>
+          <p:nvPr/>
+        </p:nvGrpSpPr>
+        <p:grpSpPr>
+          <a:xfrm>
+            <a:off x="3617737" y="352696"/>
+            <a:ext cx="2919600" cy="2923200"/>
+            <a:chOff x="2442754" y="1267096"/>
+            <a:chExt cx="2880000" cy="2880000"/>
+          </a:xfrm>
+        </p:grpSpPr>
+        <p:sp>
+          <p:nvSpPr>
+            <p:cNvPr id="8" name="타원 7"/>
+            <p:cNvSpPr/>
+            <p:nvPr/>
+          </p:nvSpPr>
+          <p:spPr>
+            <a:xfrm>
+              <a:off x="2442754" y="1267096"/>
+              <a:ext cx="2880000" cy="2880000"/>
+            </a:xfrm>
+            <a:prstGeom prst="ellipse">
+              <a:avLst/>
+            </a:prstGeom>
+            <a:solidFill>
+              <a:srgbClr val="FFFF78"/>
+            </a:solidFill>
+            <a:ln w="127000">
+              <a:solidFill>
+                <a:srgbClr val="DCDC00"/>
+              </a:solidFill>
+            </a:ln>
+          </p:spPr>
+          <p:style>
+            <a:lnRef idx="2">
+              <a:schemeClr val="accent1">
+                <a:shade val="50000"/>
+              </a:schemeClr>
+            </a:lnRef>
+            <a:fillRef idx="1">
+              <a:schemeClr val="accent1"/>
+            </a:fillRef>
+            <a:effectRef idx="0">
+              <a:schemeClr val="accent1"/>
+            </a:effectRef>
+            <a:fontRef idx="minor">
+              <a:schemeClr val="lt1"/>
+            </a:fontRef>
+          </p:style>
+          <p:txBody>
+            <a:bodyPr rtlCol="0" anchor="ctr"/>
+            <a:lstStyle/>
+            <a:p>
+              <a:pPr algn="ctr"/>
+              <a:endParaRPr lang="ko-KR" altLang="en-US"/>
+            </a:p>
+          </p:txBody>
+        </p:sp>
+        <p:sp>
+          <p:nvSpPr>
+            <p:cNvPr id="9" name="타원 8"/>
+            <p:cNvSpPr/>
+            <p:nvPr/>
+          </p:nvSpPr>
+          <p:spPr>
+            <a:xfrm>
+              <a:off x="2788240" y="1698171"/>
+              <a:ext cx="1440000" cy="1440000"/>
+            </a:xfrm>
+            <a:prstGeom prst="ellipse">
+              <a:avLst/>
+            </a:prstGeom>
+            <a:solidFill>
+              <a:srgbClr val="FFFFC8"/>
+            </a:solidFill>
+            <a:ln>
+              <a:noFill/>
+            </a:ln>
+          </p:spPr>
+          <p:style>
+            <a:lnRef idx="2">
+              <a:schemeClr val="accent1">
+                <a:shade val="50000"/>
+              </a:schemeClr>
+            </a:lnRef>
+            <a:fillRef idx="1">
+              <a:schemeClr val="accent1"/>
+            </a:fillRef>
+            <a:effectRef idx="0">
+              <a:schemeClr val="accent1"/>
+            </a:effectRef>
+            <a:fontRef idx="minor">
+              <a:schemeClr val="lt1"/>
+            </a:fontRef>
+          </p:style>
+          <p:txBody>
+            <a:bodyPr rtlCol="0" anchor="ctr"/>
+            <a:lstStyle/>
+            <a:p>
+              <a:pPr algn="ctr"/>
+              <a:endParaRPr lang="ko-KR" altLang="en-US"/>
+            </a:p>
+          </p:txBody>
+        </p:sp>
+      </p:grpSp>
+      <p:grpSp>
+        <p:nvGrpSpPr>
+          <p:cNvPr id="10" name="그룹 9"/>
+          <p:cNvGrpSpPr/>
+          <p:nvPr/>
+        </p:nvGrpSpPr>
+        <p:grpSpPr>
+          <a:xfrm>
+            <a:off x="6843223" y="352696"/>
+            <a:ext cx="2919600" cy="2923200"/>
+            <a:chOff x="2442754" y="1267096"/>
+            <a:chExt cx="2880000" cy="2880000"/>
+          </a:xfrm>
+        </p:grpSpPr>
+        <p:sp>
+          <p:nvSpPr>
+            <p:cNvPr id="11" name="타원 10"/>
+            <p:cNvSpPr/>
+            <p:nvPr/>
+          </p:nvSpPr>
+          <p:spPr>
+            <a:xfrm>
+              <a:off x="2442754" y="1267096"/>
+              <a:ext cx="2880000" cy="2880000"/>
+            </a:xfrm>
+            <a:prstGeom prst="ellipse">
+              <a:avLst/>
+            </a:prstGeom>
+            <a:solidFill>
+              <a:srgbClr val="78FF78"/>
+            </a:solidFill>
+            <a:ln w="127000">
+              <a:solidFill>
+                <a:srgbClr val="00C800"/>
+              </a:solidFill>
+            </a:ln>
+          </p:spPr>
+          <p:style>
+            <a:lnRef idx="2">
+              <a:schemeClr val="accent1">
+                <a:shade val="50000"/>
+              </a:schemeClr>
+            </a:lnRef>
+            <a:fillRef idx="1">
+              <a:schemeClr val="accent1"/>
+            </a:fillRef>
+            <a:effectRef idx="0">
+              <a:schemeClr val="accent1"/>
+            </a:effectRef>
+            <a:fontRef idx="minor">
+              <a:schemeClr val="lt1"/>
+            </a:fontRef>
+          </p:style>
+          <p:txBody>
+            <a:bodyPr rtlCol="0" anchor="ctr"/>
+            <a:lstStyle/>
+            <a:p>
+              <a:pPr algn="ctr"/>
+              <a:endParaRPr lang="ko-KR" altLang="en-US"/>
+            </a:p>
+          </p:txBody>
+        </p:sp>
+        <p:sp>
+          <p:nvSpPr>
+            <p:cNvPr id="12" name="타원 11"/>
+            <p:cNvSpPr/>
+            <p:nvPr/>
+          </p:nvSpPr>
+          <p:spPr>
+            <a:xfrm>
+              <a:off x="2788240" y="1698171"/>
+              <a:ext cx="1440000" cy="1440000"/>
+            </a:xfrm>
+            <a:prstGeom prst="ellipse">
+              <a:avLst/>
+            </a:prstGeom>
+            <a:solidFill>
+              <a:srgbClr val="C8FFC8"/>
+            </a:solidFill>
+            <a:ln>
+              <a:noFill/>
+            </a:ln>
+          </p:spPr>
+          <p:style>
+            <a:lnRef idx="2">
+              <a:schemeClr val="accent1">
+                <a:shade val="50000"/>
+              </a:schemeClr>
+            </a:lnRef>
+            <a:fillRef idx="1">
+              <a:schemeClr val="accent1"/>
+            </a:fillRef>
+            <a:effectRef idx="0">
+              <a:schemeClr val="accent1"/>
+            </a:effectRef>
+            <a:fontRef idx="minor">
+              <a:schemeClr val="lt1"/>
+            </a:fontRef>
+          </p:style>
+          <p:txBody>
+            <a:bodyPr rtlCol="0" anchor="ctr"/>
+            <a:lstStyle/>
+            <a:p>
+              <a:pPr algn="ctr"/>
+              <a:endParaRPr lang="ko-KR" altLang="en-US"/>
+            </a:p>
+          </p:txBody>
+        </p:sp>
+      </p:grpSp>
+      <p:grpSp>
+        <p:nvGrpSpPr>
+          <p:cNvPr id="13" name="그룹 12"/>
+          <p:cNvGrpSpPr/>
+          <p:nvPr/>
+        </p:nvGrpSpPr>
+        <p:grpSpPr>
+          <a:xfrm>
+            <a:off x="2000068" y="3663771"/>
+            <a:ext cx="2919600" cy="2919600"/>
+            <a:chOff x="2442754" y="1267096"/>
+            <a:chExt cx="2880000" cy="2880000"/>
+          </a:xfrm>
+        </p:grpSpPr>
+        <p:sp>
+          <p:nvSpPr>
+            <p:cNvPr id="14" name="타원 13"/>
+            <p:cNvSpPr/>
+            <p:nvPr/>
+          </p:nvSpPr>
+          <p:spPr>
+            <a:xfrm>
+              <a:off x="2442754" y="1267096"/>
+              <a:ext cx="2880000" cy="2880000"/>
+            </a:xfrm>
+            <a:prstGeom prst="ellipse">
+              <a:avLst/>
+            </a:prstGeom>
+            <a:solidFill>
+              <a:srgbClr val="78FFFF"/>
+            </a:solidFill>
+            <a:ln w="127000">
+              <a:solidFill>
+                <a:srgbClr val="00DCDC"/>
+              </a:solidFill>
+            </a:ln>
+          </p:spPr>
+          <p:style>
+            <a:lnRef idx="2">
+              <a:schemeClr val="accent1">
+                <a:shade val="50000"/>
+              </a:schemeClr>
+            </a:lnRef>
+            <a:fillRef idx="1">
+              <a:schemeClr val="accent1"/>
+            </a:fillRef>
+            <a:effectRef idx="0">
+              <a:schemeClr val="accent1"/>
+            </a:effectRef>
+            <a:fontRef idx="minor">
+              <a:schemeClr val="lt1"/>
+            </a:fontRef>
+          </p:style>
+          <p:txBody>
+            <a:bodyPr rtlCol="0" anchor="ctr"/>
+            <a:lstStyle/>
+            <a:p>
+              <a:pPr algn="ctr"/>
+              <a:endParaRPr lang="ko-KR" altLang="en-US"/>
+            </a:p>
+          </p:txBody>
+        </p:sp>
+        <p:sp>
+          <p:nvSpPr>
+            <p:cNvPr id="15" name="타원 14"/>
+            <p:cNvSpPr/>
+            <p:nvPr/>
+          </p:nvSpPr>
+          <p:spPr>
+            <a:xfrm>
+              <a:off x="2788240" y="1698171"/>
+              <a:ext cx="1440000" cy="1440000"/>
+            </a:xfrm>
+            <a:prstGeom prst="ellipse">
+              <a:avLst/>
+            </a:prstGeom>
+            <a:solidFill>
+              <a:srgbClr val="C8FFFF"/>
+            </a:solidFill>
+            <a:ln>
+              <a:noFill/>
+            </a:ln>
+          </p:spPr>
+          <p:style>
+            <a:lnRef idx="2">
+              <a:schemeClr val="accent1">
+                <a:shade val="50000"/>
+              </a:schemeClr>
+            </a:lnRef>
+            <a:fillRef idx="1">
+              <a:schemeClr val="accent1"/>
+            </a:fillRef>
+            <a:effectRef idx="0">
+              <a:schemeClr val="accent1"/>
+            </a:effectRef>
+            <a:fontRef idx="minor">
+              <a:schemeClr val="lt1"/>
+            </a:fontRef>
+          </p:style>
+          <p:txBody>
+            <a:bodyPr rtlCol="0" anchor="ctr"/>
+            <a:lstStyle/>
+            <a:p>
+              <a:pPr algn="ctr"/>
+              <a:endParaRPr lang="ko-KR" altLang="en-US"/>
+            </a:p>
+          </p:txBody>
+        </p:sp>
+      </p:grpSp>
+      <p:grpSp>
+        <p:nvGrpSpPr>
+          <p:cNvPr id="16" name="그룹 15"/>
+          <p:cNvGrpSpPr/>
+          <p:nvPr/>
+        </p:nvGrpSpPr>
+        <p:grpSpPr>
+          <a:xfrm>
+            <a:off x="5207051" y="3663771"/>
+            <a:ext cx="2919600" cy="2919600"/>
+            <a:chOff x="2442754" y="1267096"/>
+            <a:chExt cx="2880000" cy="2880000"/>
+          </a:xfrm>
+        </p:grpSpPr>
+        <p:sp>
+          <p:nvSpPr>
+            <p:cNvPr id="17" name="타원 16"/>
+            <p:cNvSpPr/>
+            <p:nvPr/>
+          </p:nvSpPr>
+          <p:spPr>
+            <a:xfrm>
+              <a:off x="2442754" y="1267096"/>
+              <a:ext cx="2880000" cy="2880000"/>
+            </a:xfrm>
+            <a:prstGeom prst="ellipse">
+              <a:avLst/>
+            </a:prstGeom>
+            <a:solidFill>
+              <a:srgbClr val="7878FF"/>
+            </a:solidFill>
+            <a:ln w="127000">
+              <a:solidFill>
+                <a:srgbClr val="0000C8"/>
+              </a:solidFill>
+            </a:ln>
+          </p:spPr>
+          <p:style>
+            <a:lnRef idx="2">
+              <a:schemeClr val="accent1">
+                <a:shade val="50000"/>
+              </a:schemeClr>
+            </a:lnRef>
+            <a:fillRef idx="1">
+              <a:schemeClr val="accent1"/>
+            </a:fillRef>
+            <a:effectRef idx="0">
+              <a:schemeClr val="accent1"/>
+            </a:effectRef>
+            <a:fontRef idx="minor">
+              <a:schemeClr val="lt1"/>
+            </a:fontRef>
+          </p:style>
+          <p:txBody>
+            <a:bodyPr rtlCol="0" anchor="ctr"/>
+            <a:lstStyle/>
+            <a:p>
+              <a:pPr algn="ctr"/>
+              <a:endParaRPr lang="ko-KR" altLang="en-US"/>
+            </a:p>
+          </p:txBody>
+        </p:sp>
+        <p:sp>
+          <p:nvSpPr>
+            <p:cNvPr id="18" name="타원 17"/>
+            <p:cNvSpPr/>
+            <p:nvPr/>
+          </p:nvSpPr>
+          <p:spPr>
+            <a:xfrm>
+              <a:off x="2788240" y="1698171"/>
+              <a:ext cx="1440000" cy="1440000"/>
+            </a:xfrm>
+            <a:prstGeom prst="ellipse">
+              <a:avLst/>
+            </a:prstGeom>
+            <a:solidFill>
+              <a:srgbClr val="C8C8FF"/>
+            </a:solidFill>
+            <a:ln>
+              <a:noFill/>
+            </a:ln>
+          </p:spPr>
+          <p:style>
+            <a:lnRef idx="2">
+              <a:schemeClr val="accent1">
+                <a:shade val="50000"/>
+              </a:schemeClr>
+            </a:lnRef>
+            <a:fillRef idx="1">
+              <a:schemeClr val="accent1"/>
+            </a:fillRef>
+            <a:effectRef idx="0">
+              <a:schemeClr val="accent1"/>
+            </a:effectRef>
+            <a:fontRef idx="minor">
+              <a:schemeClr val="lt1"/>
+            </a:fontRef>
+          </p:style>
+          <p:txBody>
+            <a:bodyPr rtlCol="0" anchor="ctr"/>
+            <a:lstStyle/>
+            <a:p>
+              <a:pPr algn="ctr"/>
+              <a:endParaRPr lang="ko-KR" altLang="en-US"/>
+            </a:p>
+          </p:txBody>
+        </p:sp>
+      </p:grpSp>
+      <p:grpSp>
+        <p:nvGrpSpPr>
+          <p:cNvPr id="19" name="그룹 18"/>
+          <p:cNvGrpSpPr/>
+          <p:nvPr/>
+        </p:nvGrpSpPr>
+        <p:grpSpPr>
+          <a:xfrm>
+            <a:off x="8432537" y="3663771"/>
+            <a:ext cx="2919600" cy="2919600"/>
+            <a:chOff x="2442754" y="1267096"/>
+            <a:chExt cx="2880000" cy="2880000"/>
+          </a:xfrm>
+        </p:grpSpPr>
+        <p:sp>
+          <p:nvSpPr>
+            <p:cNvPr id="20" name="타원 19"/>
+            <p:cNvSpPr/>
+            <p:nvPr/>
+          </p:nvSpPr>
+          <p:spPr>
+            <a:xfrm>
+              <a:off x="2442754" y="1267096"/>
+              <a:ext cx="2880000" cy="2880000"/>
+            </a:xfrm>
+            <a:prstGeom prst="ellipse">
+              <a:avLst/>
+            </a:prstGeom>
+            <a:solidFill>
+              <a:srgbClr val="FF78FF"/>
+            </a:solidFill>
+            <a:ln w="127000">
+              <a:solidFill>
+                <a:srgbClr val="DC00DC"/>
+              </a:solidFill>
+            </a:ln>
+          </p:spPr>
+          <p:style>
+            <a:lnRef idx="2">
+              <a:schemeClr val="accent1">
+                <a:shade val="50000"/>
+              </a:schemeClr>
+            </a:lnRef>
+            <a:fillRef idx="1">
+              <a:schemeClr val="accent1"/>
+            </a:fillRef>
+            <a:effectRef idx="0">
+              <a:schemeClr val="accent1"/>
+            </a:effectRef>
+            <a:fontRef idx="minor">
+              <a:schemeClr val="lt1"/>
+            </a:fontRef>
+          </p:style>
+          <p:txBody>
+            <a:bodyPr rtlCol="0" anchor="ctr"/>
+            <a:lstStyle/>
+            <a:p>
+              <a:pPr algn="ctr"/>
+              <a:endParaRPr lang="ko-KR" altLang="en-US"/>
+            </a:p>
+          </p:txBody>
+        </p:sp>
+        <p:sp>
+          <p:nvSpPr>
+            <p:cNvPr id="21" name="타원 20"/>
+            <p:cNvSpPr/>
+            <p:nvPr/>
+          </p:nvSpPr>
+          <p:spPr>
+            <a:xfrm>
+              <a:off x="2788240" y="1698171"/>
+              <a:ext cx="1440000" cy="1440000"/>
+            </a:xfrm>
+            <a:prstGeom prst="ellipse">
+              <a:avLst/>
+            </a:prstGeom>
+            <a:solidFill>
+              <a:srgbClr val="FFC8FF"/>
+            </a:solidFill>
+            <a:ln>
+              <a:noFill/>
+            </a:ln>
+          </p:spPr>
+          <p:style>
+            <a:lnRef idx="2">
+              <a:schemeClr val="accent1">
+                <a:shade val="50000"/>
+              </a:schemeClr>
+            </a:lnRef>
+            <a:fillRef idx="1">
+              <a:schemeClr val="accent1"/>
+            </a:fillRef>
+            <a:effectRef idx="0">
+              <a:schemeClr val="accent1"/>
+            </a:effectRef>
+            <a:fontRef idx="minor">
+              <a:schemeClr val="lt1"/>
+            </a:fontRef>
+          </p:style>
+          <p:txBody>
+            <a:bodyPr rtlCol="0" anchor="ctr"/>
+            <a:lstStyle/>
+            <a:p>
+              <a:pPr algn="ctr"/>
+              <a:endParaRPr lang="ko-KR" altLang="en-US"/>
+            </a:p>
+          </p:txBody>
+        </p:sp>
+      </p:grpSp>
+    </p:spTree>
+    <p:extLst>
+      <p:ext uri="{BB962C8B-B14F-4D97-AF65-F5344CB8AC3E}">
+        <p14:creationId xmlns:p14="http://schemas.microsoft.com/office/powerpoint/2010/main" val="676463332"/>
+      </p:ext>
+    </p:extLst>
+  </p:cSld>
+  <p:clrMapOvr>
+    <a:masterClrMapping/>
+  </p:clrMapOvr>
+</p:sld>
+</file>
+
+<file path=ppt/slides/slide4.xml><?xml version="1.0" encoding="utf-8"?>
+<p:sld xmlns:a="http://schemas.openxmlformats.org/drawingml/2006/main" xmlns:r="http://schemas.openxmlformats.org/officeDocument/2006/relationships" xmlns:p="http://schemas.openxmlformats.org/presentationml/2006/main">
+  <p:cSld>
+    <p:spTree>
+      <p:nvGrpSpPr>
+        <p:cNvPr id="1" name=""/>
+        <p:cNvGrpSpPr/>
+        <p:nvPr/>
+      </p:nvGrpSpPr>
+      <p:grpSpPr>
+        <a:xfrm>
+          <a:off x="0" y="0"/>
+          <a:ext cx="0" cy="0"/>
+          <a:chOff x="0" y="0"/>
+          <a:chExt cx="0" cy="0"/>
+        </a:xfrm>
+      </p:grpSpPr>
+      <p:grpSp>
+        <p:nvGrpSpPr>
+          <p:cNvPr id="13" name="그룹 12"/>
+          <p:cNvGrpSpPr/>
+          <p:nvPr/>
+        </p:nvGrpSpPr>
+        <p:grpSpPr>
+          <a:xfrm>
+            <a:off x="664754" y="441599"/>
+            <a:ext cx="2919600" cy="2919600"/>
+            <a:chOff x="2442754" y="1267096"/>
+            <a:chExt cx="2880000" cy="2880000"/>
+          </a:xfrm>
+        </p:grpSpPr>
+        <p:sp>
+          <p:nvSpPr>
+            <p:cNvPr id="14" name="타원 13"/>
+            <p:cNvSpPr/>
+            <p:nvPr/>
+          </p:nvSpPr>
+          <p:spPr>
+            <a:xfrm>
+              <a:off x="2442754" y="1267096"/>
+              <a:ext cx="2880000" cy="2880000"/>
+            </a:xfrm>
+            <a:prstGeom prst="ellipse">
+              <a:avLst/>
+            </a:prstGeom>
+            <a:solidFill>
+              <a:srgbClr val="DCFFFF"/>
+            </a:solidFill>
+            <a:ln w="127000">
+              <a:solidFill>
+                <a:schemeClr val="bg1"/>
+              </a:solidFill>
+            </a:ln>
+          </p:spPr>
+          <p:style>
+            <a:lnRef idx="2">
+              <a:schemeClr val="accent1">
+                <a:shade val="50000"/>
+              </a:schemeClr>
+            </a:lnRef>
+            <a:fillRef idx="1">
+              <a:schemeClr val="accent1"/>
+            </a:fillRef>
+            <a:effectRef idx="0">
+              <a:schemeClr val="accent1"/>
+            </a:effectRef>
+            <a:fontRef idx="minor">
+              <a:schemeClr val="lt1"/>
+            </a:fontRef>
+          </p:style>
+          <p:txBody>
+            <a:bodyPr rtlCol="0" anchor="ctr"/>
+            <a:lstStyle/>
+            <a:p>
+              <a:pPr algn="ctr"/>
+              <a:endParaRPr lang="ko-KR" altLang="en-US"/>
+            </a:p>
+          </p:txBody>
+        </p:sp>
+        <p:sp>
+          <p:nvSpPr>
+            <p:cNvPr id="15" name="타원 14"/>
+            <p:cNvSpPr/>
+            <p:nvPr/>
+          </p:nvSpPr>
+          <p:spPr>
+            <a:xfrm>
+              <a:off x="2788240" y="1698171"/>
+              <a:ext cx="1440000" cy="1440000"/>
+            </a:xfrm>
+            <a:prstGeom prst="ellipse">
+              <a:avLst/>
+            </a:prstGeom>
+            <a:solidFill>
+              <a:srgbClr val="F0FFFF"/>
+            </a:solidFill>
+            <a:ln>
+              <a:noFill/>
+            </a:ln>
+          </p:spPr>
+          <p:style>
+            <a:lnRef idx="2">
+              <a:schemeClr val="accent1">
+                <a:shade val="50000"/>
+              </a:schemeClr>
+            </a:lnRef>
+            <a:fillRef idx="1">
+              <a:schemeClr val="accent1"/>
+            </a:fillRef>
+            <a:effectRef idx="0">
+              <a:schemeClr val="accent1"/>
+            </a:effectRef>
+            <a:fontRef idx="minor">
+              <a:schemeClr val="lt1"/>
+            </a:fontRef>
+          </p:style>
+          <p:txBody>
+            <a:bodyPr rtlCol="0" anchor="ctr"/>
+            <a:lstStyle/>
+            <a:p>
+              <a:pPr algn="ctr"/>
+              <a:endParaRPr lang="ko-KR" altLang="en-US"/>
+            </a:p>
+          </p:txBody>
+        </p:sp>
+      </p:grpSp>
+      <p:grpSp>
+        <p:nvGrpSpPr>
+          <p:cNvPr id="22" name="그룹 21"/>
+          <p:cNvGrpSpPr/>
+          <p:nvPr/>
+        </p:nvGrpSpPr>
+        <p:grpSpPr>
+          <a:xfrm>
+            <a:off x="8451668" y="3197496"/>
+            <a:ext cx="2919600" cy="2923200"/>
+            <a:chOff x="2442754" y="1267096"/>
+            <a:chExt cx="2880000" cy="2880000"/>
+          </a:xfrm>
+        </p:grpSpPr>
+        <p:sp>
+          <p:nvSpPr>
+            <p:cNvPr id="23" name="타원 22"/>
+            <p:cNvSpPr/>
+            <p:nvPr/>
+          </p:nvSpPr>
+          <p:spPr>
+            <a:xfrm>
+              <a:off x="2442754" y="1267096"/>
+              <a:ext cx="2880000" cy="2880000"/>
+            </a:xfrm>
+            <a:prstGeom prst="ellipse">
+              <a:avLst/>
+            </a:prstGeom>
+            <a:solidFill>
+              <a:schemeClr val="tx1">
+                <a:lumMod val="75000"/>
+                <a:lumOff val="25000"/>
+              </a:schemeClr>
+            </a:solidFill>
+            <a:ln w="127000">
+              <a:solidFill>
+                <a:schemeClr val="tx1"/>
+              </a:solidFill>
+            </a:ln>
+          </p:spPr>
+          <p:style>
+            <a:lnRef idx="2">
+              <a:schemeClr val="accent1">
+                <a:shade val="50000"/>
+              </a:schemeClr>
+            </a:lnRef>
+            <a:fillRef idx="1">
+              <a:schemeClr val="accent1"/>
+            </a:fillRef>
+            <a:effectRef idx="0">
+              <a:schemeClr val="accent1"/>
+            </a:effectRef>
+            <a:fontRef idx="minor">
+              <a:schemeClr val="lt1"/>
+            </a:fontRef>
+          </p:style>
+          <p:txBody>
+            <a:bodyPr rtlCol="0" anchor="ctr"/>
+            <a:lstStyle/>
+            <a:p>
+              <a:pPr algn="ctr"/>
+              <a:endParaRPr lang="ko-KR" altLang="en-US"/>
+            </a:p>
+          </p:txBody>
+        </p:sp>
+        <p:sp>
+          <p:nvSpPr>
+            <p:cNvPr id="24" name="타원 23"/>
+            <p:cNvSpPr/>
+            <p:nvPr/>
+          </p:nvSpPr>
+          <p:spPr>
+            <a:xfrm>
+              <a:off x="2788240" y="1698171"/>
+              <a:ext cx="1440000" cy="1440000"/>
+            </a:xfrm>
+            <a:prstGeom prst="ellipse">
+              <a:avLst/>
+            </a:prstGeom>
+            <a:solidFill>
+              <a:schemeClr val="bg2">
+                <a:lumMod val="50000"/>
+              </a:schemeClr>
+            </a:solidFill>
+            <a:ln>
+              <a:noFill/>
+            </a:ln>
+          </p:spPr>
+          <p:style>
+            <a:lnRef idx="2">
+              <a:schemeClr val="accent1">
+                <a:shade val="50000"/>
+              </a:schemeClr>
+            </a:lnRef>
+            <a:fillRef idx="1">
+              <a:schemeClr val="accent1"/>
+            </a:fillRef>
+            <a:effectRef idx="0">
+              <a:schemeClr val="accent1"/>
+            </a:effectRef>
+            <a:fontRef idx="minor">
+              <a:schemeClr val="lt1"/>
+            </a:fontRef>
+          </p:style>
+          <p:txBody>
+            <a:bodyPr rtlCol="0" anchor="ctr"/>
+            <a:lstStyle/>
+            <a:p>
+              <a:pPr algn="ctr"/>
+              <a:endParaRPr lang="ko-KR" altLang="en-US"/>
+            </a:p>
+          </p:txBody>
+        </p:sp>
+      </p:grpSp>
+    </p:spTree>
+    <p:extLst>
+      <p:ext uri="{BB962C8B-B14F-4D97-AF65-F5344CB8AC3E}">
+        <p14:creationId xmlns:p14="http://schemas.microsoft.com/office/powerpoint/2010/main" val="492147858"/>
+      </p:ext>
+    </p:extLst>
+  </p:cSld>
+  <p:clrMapOvr>
+    <a:masterClrMapping/>
+  </p:clrMapOvr>
+</p:sld>
+</file>
+
 <file path=ppt/theme/theme1.xml><?xml version="1.0" encoding="utf-8"?>
 <a:theme xmlns:a="http://schemas.openxmlformats.org/drawingml/2006/main" name="Office 테마">
   <a:themeElements>
